--- a/javascript/56_shop/task_de.pptx
+++ b/javascript/56_shop/task_de.pptx
@@ -301,7 +301,7 @@
             <a:fld id="{A2951FC8-FA06-4FD8-8430-39945AAECB6D}" type="datetimeFigureOut">
               <a:rPr lang="de-DE" smtClean="0"/>
               <a:pPr/>
-              <a:t>12.08.2019</a:t>
+              <a:t>20.08.2019</a:t>
             </a:fld>
             <a:endParaRPr lang="de-DE"/>
           </a:p>
@@ -468,7 +468,7 @@
             <a:fld id="{A2951FC8-FA06-4FD8-8430-39945AAECB6D}" type="datetimeFigureOut">
               <a:rPr lang="de-DE" smtClean="0"/>
               <a:pPr/>
-              <a:t>12.08.2019</a:t>
+              <a:t>20.08.2019</a:t>
             </a:fld>
             <a:endParaRPr lang="de-DE"/>
           </a:p>
@@ -645,7 +645,7 @@
             <a:fld id="{A2951FC8-FA06-4FD8-8430-39945AAECB6D}" type="datetimeFigureOut">
               <a:rPr lang="de-DE" smtClean="0"/>
               <a:pPr/>
-              <a:t>12.08.2019</a:t>
+              <a:t>20.08.2019</a:t>
             </a:fld>
             <a:endParaRPr lang="de-DE"/>
           </a:p>
@@ -812,7 +812,7 @@
             <a:fld id="{A2951FC8-FA06-4FD8-8430-39945AAECB6D}" type="datetimeFigureOut">
               <a:rPr lang="de-DE" smtClean="0"/>
               <a:pPr/>
-              <a:t>12.08.2019</a:t>
+              <a:t>20.08.2019</a:t>
             </a:fld>
             <a:endParaRPr lang="de-DE"/>
           </a:p>
@@ -1055,7 +1055,7 @@
             <a:fld id="{A2951FC8-FA06-4FD8-8430-39945AAECB6D}" type="datetimeFigureOut">
               <a:rPr lang="de-DE" smtClean="0"/>
               <a:pPr/>
-              <a:t>12.08.2019</a:t>
+              <a:t>20.08.2019</a:t>
             </a:fld>
             <a:endParaRPr lang="de-DE"/>
           </a:p>
@@ -1340,7 +1340,7 @@
             <a:fld id="{A2951FC8-FA06-4FD8-8430-39945AAECB6D}" type="datetimeFigureOut">
               <a:rPr lang="de-DE" smtClean="0"/>
               <a:pPr/>
-              <a:t>12.08.2019</a:t>
+              <a:t>20.08.2019</a:t>
             </a:fld>
             <a:endParaRPr lang="de-DE"/>
           </a:p>
@@ -1759,7 +1759,7 @@
             <a:fld id="{A2951FC8-FA06-4FD8-8430-39945AAECB6D}" type="datetimeFigureOut">
               <a:rPr lang="de-DE" smtClean="0"/>
               <a:pPr/>
-              <a:t>12.08.2019</a:t>
+              <a:t>20.08.2019</a:t>
             </a:fld>
             <a:endParaRPr lang="de-DE"/>
           </a:p>
@@ -1874,7 +1874,7 @@
             <a:fld id="{A2951FC8-FA06-4FD8-8430-39945AAECB6D}" type="datetimeFigureOut">
               <a:rPr lang="de-DE" smtClean="0"/>
               <a:pPr/>
-              <a:t>12.08.2019</a:t>
+              <a:t>20.08.2019</a:t>
             </a:fld>
             <a:endParaRPr lang="de-DE"/>
           </a:p>
@@ -1966,7 +1966,7 @@
             <a:fld id="{A2951FC8-FA06-4FD8-8430-39945AAECB6D}" type="datetimeFigureOut">
               <a:rPr lang="de-DE" smtClean="0"/>
               <a:pPr/>
-              <a:t>12.08.2019</a:t>
+              <a:t>20.08.2019</a:t>
             </a:fld>
             <a:endParaRPr lang="de-DE"/>
           </a:p>
@@ -2240,7 +2240,7 @@
             <a:fld id="{A2951FC8-FA06-4FD8-8430-39945AAECB6D}" type="datetimeFigureOut">
               <a:rPr lang="de-DE" smtClean="0"/>
               <a:pPr/>
-              <a:t>12.08.2019</a:t>
+              <a:t>20.08.2019</a:t>
             </a:fld>
             <a:endParaRPr lang="de-DE"/>
           </a:p>
@@ -2490,7 +2490,7 @@
             <a:fld id="{A2951FC8-FA06-4FD8-8430-39945AAECB6D}" type="datetimeFigureOut">
               <a:rPr lang="de-DE" smtClean="0"/>
               <a:pPr/>
-              <a:t>12.08.2019</a:t>
+              <a:t>20.08.2019</a:t>
             </a:fld>
             <a:endParaRPr lang="de-DE"/>
           </a:p>
@@ -2700,7 +2700,7 @@
             <a:fld id="{A2951FC8-FA06-4FD8-8430-39945AAECB6D}" type="datetimeFigureOut">
               <a:rPr lang="de-DE" smtClean="0"/>
               <a:pPr/>
-              <a:t>12.08.2019</a:t>
+              <a:t>20.08.2019</a:t>
             </a:fld>
             <a:endParaRPr lang="de-DE"/>
           </a:p>
@@ -3088,11 +3088,7 @@
           <a:p>
             <a:r>
               <a:rPr lang="de-DE" dirty="0" smtClean="0"/>
-              <a:t>Projekt</a:t>
-            </a:r>
-            <a:r>
-              <a:rPr lang="de-DE" dirty="0" smtClean="0"/>
-              <a:t>: Shop</a:t>
+              <a:t>Projekt: Shop</a:t>
             </a:r>
             <a:endParaRPr lang="de-DE" dirty="0"/>
           </a:p>
@@ -3967,7 +3963,7 @@
         </p:spPr>
         <p:txBody>
           <a:bodyPr>
-            <a:normAutofit fontScale="47500" lnSpcReduction="20000"/>
+            <a:normAutofit fontScale="40000" lnSpcReduction="20000"/>
           </a:bodyPr>
           <a:lstStyle/>
           <a:p>
@@ -3978,7 +3974,6 @@
               <a:rPr lang="de-DE" dirty="0" smtClean="0"/>
               <a:t>1. Starte Postman und erstelle 3 Requests “loadProducts“, “loadProductsByCategorie“ und “postOrder“.</a:t>
             </a:r>
-            <a:endParaRPr lang="de-DE" dirty="0" smtClean="0"/>
           </a:p>
           <a:p>
             <a:pPr>
@@ -3986,11 +3981,7 @@
             </a:pPr>
             <a:r>
               <a:rPr lang="de-DE" dirty="0" smtClean="0"/>
-              <a:t>2. </a:t>
-            </a:r>
-            <a:r>
-              <a:rPr lang="de-DE" dirty="0" smtClean="0"/>
-              <a:t>Modifiziere die Requests aus 1.) entsprechend den folgenden URLs und ggfalls. Parametern:</a:t>
+              <a:t>2. Modifiziere die Requests aus 1.) entsprechend den folgenden URLs und ggfalls. Parametern:</a:t>
             </a:r>
           </a:p>
           <a:p>
@@ -4027,13 +4018,7 @@
               <a:rPr lang="de-DE" sz="2900" dirty="0" smtClean="0">
                 <a:hlinkClick r:id="rId2"/>
               </a:rPr>
-              <a:t>http</a:t>
-            </a:r>
-            <a:r>
-              <a:rPr lang="de-DE" sz="2900" dirty="0" smtClean="0">
-                <a:hlinkClick r:id="rId2"/>
-              </a:rPr>
-              <a:t>://localhost:3000/products</a:t>
+              <a:t>http://localhost:3000/products</a:t>
             </a:r>
             <a:r>
               <a:rPr lang="de-DE" sz="2900" dirty="0" smtClean="0"/>
@@ -4068,11 +4053,11 @@
             </a:pPr>
             <a:r>
               <a:rPr lang="de-DE" dirty="0" smtClean="0"/>
-              <a:t>3. Analysiere die Antworten, welche Du bei Postman zurückbekommst. </a:t>
+              <a:t>3. </a:t>
             </a:r>
             <a:r>
               <a:rPr lang="de-DE" dirty="0" smtClean="0"/>
-              <a:t>Entnehme v.a. </a:t>
+              <a:t>Analysiere die Antworten, welche Du bei Postman zurückbekommst. Entnehme v.a. </a:t>
             </a:r>
           </a:p>
           <a:p>
@@ -4081,11 +4066,15 @@
             </a:pPr>
             <a:r>
               <a:rPr lang="de-DE" dirty="0" smtClean="0"/>
-              <a:t> </a:t>
+              <a:t>    daraus, wel</a:t>
+            </a:r>
+            <a:r>
+              <a:rPr lang="de-DE" b="1" dirty="0" smtClean="0"/>
+              <a:t>c</a:t>
             </a:r>
             <a:r>
               <a:rPr lang="de-DE" dirty="0" smtClean="0"/>
-              <a:t>   daraus, welchen Body Du bei postOrder senden musst, um einen Order im System </a:t>
+              <a:t>hen Body Du bei postOrder senden musst, um einen Order im System </a:t>
             </a:r>
           </a:p>
           <a:p>
@@ -4094,11 +4083,52 @@
             </a:pPr>
             <a:r>
               <a:rPr lang="de-DE" dirty="0" smtClean="0"/>
-              <a:t> </a:t>
-            </a:r>
+              <a:t>    anzulegen.</a:t>
+            </a:r>
+          </a:p>
+          <a:p>
+            <a:pPr>
+              <a:buNone/>
+            </a:pPr>
+            <a:endParaRPr lang="de-DE" dirty="0" smtClean="0"/>
+          </a:p>
+          <a:p>
+            <a:pPr>
+              <a:buNone/>
+            </a:pPr>
             <a:r>
               <a:rPr lang="de-DE" dirty="0" smtClean="0"/>
-              <a:t>   anzulegen.</a:t>
+              <a:t>4</a:t>
+            </a:r>
+            <a:r>
+              <a:rPr lang="de-DE" dirty="0" smtClean="0"/>
+              <a:t>. Im Shop Verzeichnis, erstelle ein Verzeichnis /experiments und erstelle darin eine leere Website mit index.html und main.js</a:t>
+            </a:r>
+          </a:p>
+          <a:p>
+            <a:pPr>
+              <a:buNone/>
+            </a:pPr>
+            <a:r>
+              <a:rPr lang="de-DE" dirty="0" smtClean="0"/>
+              <a:t>	</a:t>
+            </a:r>
+            <a:r>
+              <a:rPr lang="de-DE" dirty="0" smtClean="0"/>
+              <a:t>- Erstelle drei Buttons mit den Beschriftungen “Load Products“, “Load Products by Detail“ und “Post Order“.</a:t>
+            </a:r>
+          </a:p>
+          <a:p>
+            <a:pPr>
+              <a:buNone/>
+            </a:pPr>
+            <a:r>
+              <a:rPr lang="de-DE" dirty="0" smtClean="0"/>
+              <a:t>	</a:t>
+            </a:r>
+            <a:r>
+              <a:rPr lang="de-DE" dirty="0" smtClean="0"/>
+              <a:t>- Erstelle für jeden der drei Buttons jeweils einen Fetch-Request (AsyncAwait) entsprechend dem jweiligen Postman-Request und gib alle Outputs auf der Console aus.</a:t>
             </a:r>
             <a:endParaRPr lang="de-DE" dirty="0" smtClean="0"/>
           </a:p>
@@ -4108,13 +4138,16 @@
             </a:pPr>
             <a:r>
               <a:rPr lang="de-DE" dirty="0" smtClean="0"/>
-              <a:t>4. </a:t>
+              <a:t>5</a:t>
             </a:r>
             <a:r>
               <a:rPr lang="de-DE" dirty="0" smtClean="0"/>
-              <a:t>Erweitere Deinen Shop mit Fetch und AsyncAwait:</a:t>
-            </a:r>
-            <a:endParaRPr lang="de-DE" dirty="0" smtClean="0"/>
+              <a:t>. Mit Hilfe der in 4.) gebauten Experimente, erweitere </a:t>
+            </a:r>
+            <a:r>
+              <a:rPr lang="de-DE" dirty="0" smtClean="0"/>
+              <a:t>Deinen Shop mit Fetch und AsyncAwait:</a:t>
+            </a:r>
           </a:p>
           <a:p>
             <a:pPr>
@@ -4122,25 +4155,16 @@
             </a:pPr>
             <a:r>
               <a:rPr lang="de-DE" dirty="0" smtClean="0"/>
-              <a:t>	- </a:t>
-            </a:r>
+              <a:t>	- Lade alle Produkt-Informationen mit Hilfe eines Fetch-Aufrufs ähnlich wie bei loadProducts, stelle die Thumbnails entsprechend dar sowie die Produkt-Details</a:t>
+            </a:r>
+          </a:p>
+          <a:p>
+            <a:pPr>
+              <a:buNone/>
+            </a:pPr>
             <a:r>
               <a:rPr lang="de-DE" dirty="0" smtClean="0"/>
-              <a:t>Lade alle Produkt-Informationen mit Hilfe eines Fetch-Aufrufs ähnlich wie bei loadProducts, stelle die Thumbnails entsprechend dar sowie die Produkt-Details</a:t>
-            </a:r>
-            <a:endParaRPr lang="de-DE" dirty="0" smtClean="0"/>
-          </a:p>
-          <a:p>
-            <a:pPr>
-              <a:buNone/>
-            </a:pPr>
-            <a:r>
-              <a:rPr lang="de-DE" dirty="0" smtClean="0"/>
-              <a:t>	- </a:t>
-            </a:r>
-            <a:r>
-              <a:rPr lang="de-DE" dirty="0" smtClean="0"/>
-              <a:t>Lade alle Product-Informationen abhängig von der Kategorie mit Hilfe eines Fetch-Aufrufs ähnlich wie loadProductsByDetail</a:t>
+              <a:t>	- Lade alle Product-Informationen abhängig von der Kategorie mit Hilfe eines Fetch-Aufrufs ähnlich wie loadProductsByDetail</a:t>
             </a:r>
           </a:p>
           <a:p>
@@ -4151,7 +4175,6 @@
               <a:rPr lang="de-DE" dirty="0" smtClean="0"/>
               <a:t>	- Platziere einen Order über postOrder, wenn der Nutzer abschließend kauft. Dieser soll ähnlich strukturiert sein wie der Aufruf von postOrder</a:t>
             </a:r>
-            <a:endParaRPr lang="de-DE" dirty="0" smtClean="0"/>
           </a:p>
         </p:txBody>
       </p:sp>
@@ -4222,23 +4245,13 @@
               <a:rPr lang="de-DE" dirty="0" smtClean="0"/>
               <a:t>Kann ganz hilfreich sein</a:t>
             </a:r>
-            <a:endParaRPr lang="de-DE" dirty="0" smtClean="0"/>
           </a:p>
           <a:p>
             <a:pPr lvl="1"/>
             <a:r>
               <a:rPr lang="de-DE" dirty="0" smtClean="0"/>
-              <a:t>Delegateexample.html </a:t>
-            </a:r>
-            <a:r>
-              <a:rPr lang="de-DE" dirty="0" smtClean="0"/>
-              <a:t>– </a:t>
-            </a:r>
-            <a:r>
-              <a:rPr lang="de-DE" dirty="0" smtClean="0"/>
-              <a:t>Klick Events für Elemente, die dem DOM-Tree dynamisch hinzugefügt wurden</a:t>
-            </a:r>
-            <a:endParaRPr lang="de-DE" dirty="0" smtClean="0"/>
+              <a:t>Delegateexample.html – Klick Events für Elemente, die dem DOM-Tree dynamisch hinzugefügt wurden</a:t>
+            </a:r>
           </a:p>
         </p:txBody>
       </p:sp>
@@ -4312,11 +4325,16 @@
             </a:pPr>
             <a:r>
               <a:rPr lang="de-DE" dirty="0" smtClean="0"/>
-              <a:t>1 – </a:t>
-            </a:r>
+              <a:t>1 – Den letzten Stand von github.com/foobaroo/fbw14 pullen </a:t>
+            </a:r>
+          </a:p>
+          <a:p>
+            <a:pPr marL="514350" indent="-514350">
+              <a:buNone/>
+            </a:pPr>
             <a:r>
               <a:rPr lang="de-DE" dirty="0" smtClean="0"/>
-              <a:t>Den letzten Stand von github.com/foobaroo/fbw14 pullen </a:t>
+              <a:t>	oder klonen.</a:t>
             </a:r>
           </a:p>
           <a:p>
@@ -4325,47 +4343,16 @@
             </a:pPr>
             <a:r>
               <a:rPr lang="de-DE" dirty="0" smtClean="0"/>
-              <a:t>	</a:t>
-            </a:r>
+              <a:t>2 – Kopiere den Ordner /javascript/projekte in Deinen lokalen Desktop Ordner.</a:t>
+            </a:r>
+          </a:p>
+          <a:p>
+            <a:pPr marL="514350" indent="-514350">
+              <a:buNone/>
+            </a:pPr>
             <a:r>
               <a:rPr lang="de-DE" dirty="0" smtClean="0"/>
-              <a:t>oder klonen.</a:t>
-            </a:r>
-            <a:endParaRPr lang="de-DE" dirty="0" smtClean="0"/>
-          </a:p>
-          <a:p>
-            <a:pPr marL="514350" indent="-514350">
-              <a:buNone/>
-            </a:pPr>
-            <a:r>
-              <a:rPr lang="de-DE" dirty="0" smtClean="0"/>
-              <a:t>2 – </a:t>
-            </a:r>
-            <a:r>
-              <a:rPr lang="de-DE" dirty="0" smtClean="0"/>
-              <a:t>Kopiere den Ordner </a:t>
-            </a:r>
-            <a:r>
-              <a:rPr lang="de-DE" dirty="0" smtClean="0"/>
-              <a:t>/</a:t>
-            </a:r>
-            <a:r>
-              <a:rPr lang="de-DE" dirty="0" smtClean="0"/>
-              <a:t>javascript/projekte in Deinen lokalen Desktop Ordner.</a:t>
-            </a:r>
-            <a:endParaRPr lang="de-DE" dirty="0" smtClean="0"/>
-          </a:p>
-          <a:p>
-            <a:pPr marL="514350" indent="-514350">
-              <a:buNone/>
-            </a:pPr>
-            <a:r>
-              <a:rPr lang="de-DE" dirty="0" smtClean="0"/>
-              <a:t>3 – </a:t>
-            </a:r>
-            <a:r>
-              <a:rPr lang="de-DE" dirty="0" smtClean="0"/>
-              <a:t>Gehe zu Deinem Desktop/shop und führe folgenden Befehl aus </a:t>
+              <a:t>3 – Gehe zu Deinem Desktop/shop und führe folgenden Befehl aus </a:t>
             </a:r>
             <a:r>
               <a:rPr lang="de-DE" b="1" dirty="0" smtClean="0"/>
@@ -4378,21 +4365,22 @@
             </a:pPr>
             <a:r>
               <a:rPr lang="de-DE" dirty="0" smtClean="0"/>
-              <a:t>4 – </a:t>
-            </a:r>
+              <a:t>4 – Nachdem die Installation abgeschlossen ist, führe folgenden Befehl aus: </a:t>
+            </a:r>
+            <a:r>
+              <a:rPr lang="de-DE" b="1" dirty="0" smtClean="0"/>
+              <a:t>node server.js</a:t>
+            </a:r>
+            <a:endParaRPr lang="de-DE" dirty="0" smtClean="0"/>
+          </a:p>
+          <a:p>
+            <a:pPr marL="514350" indent="-514350">
+              <a:buNone/>
+            </a:pPr>
             <a:r>
               <a:rPr lang="de-DE" dirty="0" smtClean="0"/>
-              <a:t>Nachdem die Installation abgeschlossen ist, führe folgenden Befehl aus: </a:t>
-            </a:r>
-            <a:r>
-              <a:rPr lang="de-DE" b="1" dirty="0" smtClean="0"/>
-              <a:t>node </a:t>
-            </a:r>
-            <a:r>
-              <a:rPr lang="de-DE" b="1" dirty="0" smtClean="0"/>
-              <a:t>server.js</a:t>
-            </a:r>
-            <a:endParaRPr lang="de-DE" dirty="0" smtClean="0"/>
+              <a:t>5 – Gehe zu Deinem Browser und öffne http://localhost:3000 , dort solltest Du eine leere Website sehen.</a:t>
+            </a:r>
           </a:p>
           <a:p>
             <a:pPr marL="514350" indent="-514350">
@@ -4400,55 +4388,8 @@
             </a:pPr>
             <a:r>
               <a:rPr lang="de-DE" dirty="0" smtClean="0"/>
-              <a:t>5 – </a:t>
-            </a:r>
-            <a:r>
-              <a:rPr lang="de-DE" dirty="0" smtClean="0"/>
-              <a:t>Gehe zu Deinem Browser und öffne </a:t>
-            </a:r>
-            <a:r>
-              <a:rPr lang="de-DE" dirty="0" smtClean="0"/>
-              <a:t>http</a:t>
-            </a:r>
-            <a:r>
-              <a:rPr lang="de-DE" dirty="0" smtClean="0"/>
-              <a:t>://localhost:3000 , </a:t>
-            </a:r>
-            <a:r>
-              <a:rPr lang="de-DE" dirty="0" smtClean="0"/>
-              <a:t>dort solltest Du eine leere Website sehen.</a:t>
-            </a:r>
-            <a:endParaRPr lang="de-DE" dirty="0" smtClean="0"/>
-          </a:p>
-          <a:p>
-            <a:pPr marL="514350" indent="-514350">
-              <a:buNone/>
-            </a:pPr>
-            <a:r>
-              <a:rPr lang="de-DE" dirty="0" smtClean="0"/>
-              <a:t>6 – </a:t>
-            </a:r>
-            <a:r>
-              <a:rPr lang="de-DE" dirty="0" smtClean="0"/>
-              <a:t>Gehe nun bitte in das Verzeichnis public</a:t>
-            </a:r>
-            <a:r>
-              <a:rPr lang="de-DE" dirty="0" smtClean="0"/>
-              <a:t>/ </a:t>
-            </a:r>
-            <a:r>
-              <a:rPr lang="de-DE" dirty="0" smtClean="0"/>
-              <a:t>und wirf einen Blick hinein. Dort siehst Du die </a:t>
-            </a:r>
-            <a:r>
-              <a:rPr lang="de-DE" dirty="0" smtClean="0"/>
-              <a:t>index.html and styles.css – </a:t>
-            </a:r>
-            <a:r>
-              <a:rPr lang="de-DE" dirty="0" smtClean="0"/>
-              <a:t>Das sind die Dateien mit denen Du arbeiten wirst.</a:t>
-            </a:r>
-            <a:endParaRPr lang="de-DE" dirty="0" smtClean="0"/>
+              <a:t>6 – Gehe nun bitte in das Verzeichnis public/ und wirf einen Blick hinein. Dort siehst Du die index.html and styles.css – Das sind die Dateien mit denen Du arbeiten wirst.</a:t>
+            </a:r>
           </a:p>
           <a:p>
             <a:pPr marL="514350" indent="-514350">
@@ -4537,11 +4478,7 @@
             </a:pPr>
             <a:r>
               <a:rPr lang="de-DE" dirty="0" smtClean="0"/>
-              <a:t>dabei, dass es responsive sein soll. </a:t>
-            </a:r>
-            <a:r>
-              <a:rPr lang="de-DE" dirty="0" smtClean="0"/>
-              <a:t>Falls Du magst, </a:t>
+              <a:t>dabei, dass es responsive sein soll. Falls Du magst, </a:t>
             </a:r>
           </a:p>
           <a:p>
@@ -4552,7 +4489,6 @@
               <a:rPr lang="de-DE" dirty="0" smtClean="0"/>
               <a:t>kannst Du Bootstrap verwenden.</a:t>
             </a:r>
-            <a:endParaRPr lang="de-DE" dirty="0" smtClean="0"/>
           </a:p>
           <a:p>
             <a:pPr marL="514350" indent="-514350">
@@ -4579,7 +4515,6 @@
               <a:rPr lang="de-DE" dirty="0" smtClean="0"/>
               <a:t>Jedes Thumbnail-Bild ist 350x200 Pixel</a:t>
             </a:r>
-            <a:endParaRPr lang="de-DE" dirty="0" smtClean="0"/>
           </a:p>
           <a:p>
             <a:pPr marL="514350" indent="-514350">
@@ -4600,7 +4535,6 @@
               <a:rPr lang="de-DE" dirty="0" smtClean="0"/>
               <a:t>Es sollen noch keine JSON-Daten vom Server geladen werden</a:t>
             </a:r>
-            <a:endParaRPr lang="de-DE" dirty="0" smtClean="0"/>
           </a:p>
           <a:p>
             <a:pPr marL="514350" indent="-514350">
@@ -5908,11 +5842,7 @@
           <a:p>
             <a:r>
               <a:rPr lang="de-DE" dirty="0" smtClean="0"/>
-              <a:t>Starting Page: Product </a:t>
-            </a:r>
-            <a:r>
-              <a:rPr lang="de-DE" dirty="0" smtClean="0"/>
-              <a:t>Details -&gt; Nachdem der Nutzer auf ein Thumbnail geklickt hat</a:t>
+              <a:t>Starting Page: Product Details -&gt; Nachdem der Nutzer auf ein Thumbnail geklickt hat</a:t>
             </a:r>
             <a:endParaRPr lang="de-DE" dirty="0"/>
           </a:p>
@@ -6464,21 +6394,13 @@
           <a:p>
             <a:r>
               <a:rPr lang="de-DE" dirty="0" smtClean="0"/>
-              <a:t>Starting Page: Product </a:t>
-            </a:r>
+              <a:t>Starting Page: Product Details -&gt; Nachdem der Nutzer auf “Add To Cart“ (Productdetails) </a:t>
+            </a:r>
+          </a:p>
+          <a:p>
             <a:r>
               <a:rPr lang="de-DE" dirty="0" smtClean="0"/>
-              <a:t>Details -&gt; Nachdem der Nutzer auf “Add To Cart“ (Productdetails) </a:t>
-            </a:r>
-          </a:p>
-          <a:p>
-            <a:r>
-              <a:rPr lang="de-DE" dirty="0" smtClean="0"/>
-              <a:t>	</a:t>
-            </a:r>
-            <a:r>
-              <a:rPr lang="de-DE" dirty="0" smtClean="0"/>
-              <a:t>		     “Cart“ geklickt hat.</a:t>
+              <a:t>			     “Cart“ geklickt hat.</a:t>
             </a:r>
             <a:endParaRPr lang="de-DE" dirty="0"/>
           </a:p>
@@ -7351,11 +7273,7 @@
           <a:p>
             <a:r>
               <a:rPr lang="de-DE" dirty="0" smtClean="0"/>
-              <a:t>Starting Page: Product </a:t>
-            </a:r>
-            <a:r>
-              <a:rPr lang="de-DE" dirty="0" smtClean="0"/>
-              <a:t>Details -&gt; Nachdem der Nutzer auf “Buy Now“ geklickt hat</a:t>
+              <a:t>Starting Page: Product Details -&gt; Nachdem der Nutzer auf “Buy Now“ geklickt hat</a:t>
             </a:r>
             <a:endParaRPr lang="de-DE" dirty="0"/>
           </a:p>

--- a/javascript/56_shop/task_de.pptx
+++ b/javascript/56_shop/task_de.pptx
@@ -17,7 +17,9 @@
     <p:sldId id="271" r:id="rId11"/>
     <p:sldId id="272" r:id="rId12"/>
     <p:sldId id="264" r:id="rId13"/>
-    <p:sldId id="273" r:id="rId14"/>
+    <p:sldId id="274" r:id="rId14"/>
+    <p:sldId id="275" r:id="rId15"/>
+    <p:sldId id="273" r:id="rId16"/>
   </p:sldIdLst>
   <p:sldSz cx="9144000" cy="6858000" type="screen4x3"/>
   <p:notesSz cx="6858000" cy="9144000"/>
@@ -3963,7 +3965,7 @@
         </p:spPr>
         <p:txBody>
           <a:bodyPr>
-            <a:normAutofit fontScale="40000" lnSpcReduction="20000"/>
+            <a:normAutofit fontScale="47500" lnSpcReduction="20000"/>
           </a:bodyPr>
           <a:lstStyle/>
           <a:p>
@@ -4131,50 +4133,6 @@
               <a:t>- Erstelle für jeden der drei Buttons jeweils einen Fetch-Request (AsyncAwait) entsprechend dem jweiligen Postman-Request und gib alle Outputs auf der Console aus.</a:t>
             </a:r>
             <a:endParaRPr lang="de-DE" dirty="0" smtClean="0"/>
-          </a:p>
-          <a:p>
-            <a:pPr>
-              <a:buNone/>
-            </a:pPr>
-            <a:r>
-              <a:rPr lang="de-DE" dirty="0" smtClean="0"/>
-              <a:t>5</a:t>
-            </a:r>
-            <a:r>
-              <a:rPr lang="de-DE" dirty="0" smtClean="0"/>
-              <a:t>. Mit Hilfe der in 4.) gebauten Experimente, erweitere </a:t>
-            </a:r>
-            <a:r>
-              <a:rPr lang="de-DE" dirty="0" smtClean="0"/>
-              <a:t>Deinen Shop mit Fetch und AsyncAwait:</a:t>
-            </a:r>
-          </a:p>
-          <a:p>
-            <a:pPr>
-              <a:buNone/>
-            </a:pPr>
-            <a:r>
-              <a:rPr lang="de-DE" dirty="0" smtClean="0"/>
-              <a:t>	- Lade alle Produkt-Informationen mit Hilfe eines Fetch-Aufrufs ähnlich wie bei loadProducts, stelle die Thumbnails entsprechend dar sowie die Produkt-Details</a:t>
-            </a:r>
-          </a:p>
-          <a:p>
-            <a:pPr>
-              <a:buNone/>
-            </a:pPr>
-            <a:r>
-              <a:rPr lang="de-DE" dirty="0" smtClean="0"/>
-              <a:t>	- Lade alle Product-Informationen abhängig von der Kategorie mit Hilfe eines Fetch-Aufrufs ähnlich wie loadProductsByDetail</a:t>
-            </a:r>
-          </a:p>
-          <a:p>
-            <a:pPr>
-              <a:buNone/>
-            </a:pPr>
-            <a:r>
-              <a:rPr lang="de-DE" dirty="0" smtClean="0"/>
-              <a:t>	- Platziere einen Order über postOrder, wenn der Nutzer abschließend kauft. Dieser soll ähnlich strukturiert sein wie der Aufruf von postOrder</a:t>
-            </a:r>
           </a:p>
         </p:txBody>
       </p:sp>
@@ -4187,6 +4145,292 @@
 </file>
 
 <file path=ppt/slides/slide13.xml><?xml version="1.0" encoding="utf-8"?>
+<p:sld xmlns:a="http://schemas.openxmlformats.org/drawingml/2006/main" xmlns:r="http://schemas.openxmlformats.org/officeDocument/2006/relationships" xmlns:p="http://schemas.openxmlformats.org/presentationml/2006/main">
+  <p:cSld>
+    <p:spTree>
+      <p:nvGrpSpPr>
+        <p:cNvPr id="1" name=""/>
+        <p:cNvGrpSpPr/>
+        <p:nvPr/>
+      </p:nvGrpSpPr>
+      <p:grpSpPr>
+        <a:xfrm>
+          <a:off x="0" y="0"/>
+          <a:ext cx="0" cy="0"/>
+          <a:chOff x="0" y="0"/>
+          <a:chExt cx="0" cy="0"/>
+        </a:xfrm>
+      </p:grpSpPr>
+      <p:sp>
+        <p:nvSpPr>
+          <p:cNvPr id="2" name="Title 1"/>
+          <p:cNvSpPr>
+            <a:spLocks noGrp="1"/>
+          </p:cNvSpPr>
+          <p:nvPr>
+            <p:ph type="title"/>
+          </p:nvPr>
+        </p:nvSpPr>
+        <p:spPr/>
+        <p:txBody>
+          <a:bodyPr/>
+          <a:lstStyle/>
+          <a:p>
+            <a:r>
+              <a:rPr lang="de-DE" dirty="0" smtClean="0"/>
+              <a:t>Aufgabe </a:t>
+            </a:r>
+            <a:r>
+              <a:rPr lang="de-DE" dirty="0" smtClean="0"/>
+              <a:t>3</a:t>
+            </a:r>
+            <a:endParaRPr lang="de-DE" dirty="0"/>
+          </a:p>
+        </p:txBody>
+      </p:sp>
+      <p:sp>
+        <p:nvSpPr>
+          <p:cNvPr id="3" name="Content Placeholder 2"/>
+          <p:cNvSpPr>
+            <a:spLocks noGrp="1"/>
+          </p:cNvSpPr>
+          <p:nvPr>
+            <p:ph idx="1"/>
+          </p:nvPr>
+        </p:nvSpPr>
+        <p:spPr>
+          <a:xfrm>
+            <a:off x="457200" y="1600200"/>
+            <a:ext cx="8435280" cy="4525963"/>
+          </a:xfrm>
+        </p:spPr>
+        <p:txBody>
+          <a:bodyPr>
+            <a:normAutofit fontScale="85000" lnSpcReduction="20000"/>
+          </a:bodyPr>
+          <a:lstStyle/>
+          <a:p>
+            <a:pPr>
+              <a:buNone/>
+            </a:pPr>
+            <a:r>
+              <a:rPr lang="de-DE" dirty="0" smtClean="0"/>
+              <a:t>Mit Hilfe der Aufgabe 2 gebauten Experimente, erweitere</a:t>
+            </a:r>
+          </a:p>
+          <a:p>
+            <a:pPr>
+              <a:buNone/>
+            </a:pPr>
+            <a:r>
+              <a:rPr lang="de-DE" dirty="0" smtClean="0"/>
+              <a:t>Deinen </a:t>
+            </a:r>
+            <a:r>
+              <a:rPr lang="de-DE" dirty="0" smtClean="0"/>
+              <a:t>Shop mit Fetch und </a:t>
+            </a:r>
+            <a:r>
+              <a:rPr lang="de-DE" dirty="0" smtClean="0"/>
+              <a:t>AsyncAwait. </a:t>
+            </a:r>
+          </a:p>
+          <a:p>
+            <a:pPr marL="514350" indent="-514350">
+              <a:buAutoNum type="arabicPeriod"/>
+            </a:pPr>
+            <a:r>
+              <a:rPr lang="de-DE" dirty="0" smtClean="0"/>
+              <a:t>Lade </a:t>
+            </a:r>
+            <a:r>
+              <a:rPr lang="de-DE" dirty="0" smtClean="0"/>
+              <a:t>alle Produkt-Informationen mit Hilfe eines Fetch-Aufrufs </a:t>
+            </a:r>
+            <a:r>
+              <a:rPr lang="de-DE" dirty="0" smtClean="0"/>
+              <a:t>loadProducts</a:t>
+            </a:r>
+            <a:r>
+              <a:rPr lang="de-DE" dirty="0" smtClean="0"/>
+              <a:t>, stelle die Thumbnails entsprechend dar sowie die </a:t>
+            </a:r>
+            <a:r>
+              <a:rPr lang="de-DE" dirty="0" smtClean="0"/>
+              <a:t>Produkt-Details. </a:t>
+            </a:r>
+            <a:r>
+              <a:rPr lang="de-DE" dirty="0" smtClean="0"/>
+              <a:t>Jedes mal, wenn der Nutzer die Seite neulädt oder auf das Logo oder All klickt, sollen alle Produkte per Fetch neugeladen und angezeigt werden.</a:t>
+            </a:r>
+          </a:p>
+          <a:p>
+            <a:pPr marL="514350" indent="-514350">
+              <a:buAutoNum type="arabicPeriod"/>
+            </a:pPr>
+            <a:r>
+              <a:rPr lang="de-DE" dirty="0" smtClean="0"/>
+              <a:t>Lade </a:t>
+            </a:r>
+            <a:r>
+              <a:rPr lang="de-DE" dirty="0" smtClean="0"/>
+              <a:t>alle Product-Informationen abhängig von der Kategorie mit Hilfe eines Fetch-Aufrufs ähnlich wie loadProductsByDetail</a:t>
+            </a:r>
+            <a:r>
+              <a:rPr lang="de-DE" dirty="0" smtClean="0"/>
+              <a:t>. Lade die jeweilige Kategorie wenn der Nutzer auf Books, Movies oder Music klickt.</a:t>
+            </a:r>
+            <a:endParaRPr lang="de-DE" dirty="0" smtClean="0"/>
+          </a:p>
+        </p:txBody>
+      </p:sp>
+    </p:spTree>
+  </p:cSld>
+  <p:clrMapOvr>
+    <a:masterClrMapping/>
+  </p:clrMapOvr>
+</p:sld>
+</file>
+
+<file path=ppt/slides/slide14.xml><?xml version="1.0" encoding="utf-8"?>
+<p:sld xmlns:a="http://schemas.openxmlformats.org/drawingml/2006/main" xmlns:r="http://schemas.openxmlformats.org/officeDocument/2006/relationships" xmlns:p="http://schemas.openxmlformats.org/presentationml/2006/main">
+  <p:cSld>
+    <p:spTree>
+      <p:nvGrpSpPr>
+        <p:cNvPr id="1" name=""/>
+        <p:cNvGrpSpPr/>
+        <p:nvPr/>
+      </p:nvGrpSpPr>
+      <p:grpSpPr>
+        <a:xfrm>
+          <a:off x="0" y="0"/>
+          <a:ext cx="0" cy="0"/>
+          <a:chOff x="0" y="0"/>
+          <a:chExt cx="0" cy="0"/>
+        </a:xfrm>
+      </p:grpSpPr>
+      <p:sp>
+        <p:nvSpPr>
+          <p:cNvPr id="2" name="Title 1"/>
+          <p:cNvSpPr>
+            <a:spLocks noGrp="1"/>
+          </p:cNvSpPr>
+          <p:nvPr>
+            <p:ph type="title"/>
+          </p:nvPr>
+        </p:nvSpPr>
+        <p:spPr/>
+        <p:txBody>
+          <a:bodyPr/>
+          <a:lstStyle/>
+          <a:p>
+            <a:r>
+              <a:rPr lang="de-DE" dirty="0" smtClean="0"/>
+              <a:t>Aufgabe </a:t>
+            </a:r>
+            <a:r>
+              <a:rPr lang="de-DE" dirty="0" smtClean="0"/>
+              <a:t>4</a:t>
+            </a:r>
+            <a:endParaRPr lang="de-DE" dirty="0"/>
+          </a:p>
+        </p:txBody>
+      </p:sp>
+      <p:sp>
+        <p:nvSpPr>
+          <p:cNvPr id="3" name="Content Placeholder 2"/>
+          <p:cNvSpPr>
+            <a:spLocks noGrp="1"/>
+          </p:cNvSpPr>
+          <p:nvPr>
+            <p:ph idx="1"/>
+          </p:nvPr>
+        </p:nvSpPr>
+        <p:spPr>
+          <a:xfrm>
+            <a:off x="457200" y="1600200"/>
+            <a:ext cx="8435280" cy="4525963"/>
+          </a:xfrm>
+        </p:spPr>
+        <p:txBody>
+          <a:bodyPr>
+            <a:normAutofit fontScale="70000" lnSpcReduction="20000"/>
+          </a:bodyPr>
+          <a:lstStyle/>
+          <a:p>
+            <a:pPr>
+              <a:buNone/>
+            </a:pPr>
+            <a:r>
+              <a:rPr lang="de-DE" dirty="0" smtClean="0"/>
+              <a:t>Der Shop soll nun die Warenkorb-Funktionalität </a:t>
+            </a:r>
+          </a:p>
+          <a:p>
+            <a:pPr>
+              <a:buNone/>
+            </a:pPr>
+            <a:r>
+              <a:rPr lang="de-DE" dirty="0" smtClean="0"/>
+              <a:t>bekommen.</a:t>
+            </a:r>
+          </a:p>
+          <a:p>
+            <a:pPr>
+              <a:buNone/>
+            </a:pPr>
+            <a:r>
+              <a:rPr lang="de-DE" dirty="0" smtClean="0"/>
+              <a:t>1. Erstelle ein neues globales Array “cart“. </a:t>
+            </a:r>
+          </a:p>
+          <a:p>
+            <a:pPr>
+              <a:buNone/>
+            </a:pPr>
+            <a:r>
+              <a:rPr lang="de-DE" dirty="0" smtClean="0"/>
+              <a:t>2. Wenn der Nutzer auf “Add to Cart“ klickt, soll ein neues Objekt in das cart-Array gepusht werden.</a:t>
+            </a:r>
+            <a:r>
+              <a:rPr lang="de-DE" dirty="0" smtClean="0"/>
+              <a:t> </a:t>
+            </a:r>
+            <a:r>
+              <a:rPr lang="de-DE" dirty="0" smtClean="0"/>
+              <a:t>Beachte hierbei, dass jedes Item eine Id hat.</a:t>
+            </a:r>
+          </a:p>
+          <a:p>
+            <a:pPr>
+              <a:buNone/>
+            </a:pPr>
+            <a:r>
+              <a:rPr lang="de-DE" dirty="0" smtClean="0"/>
+              <a:t>3. Wenn der Nutzer zum Warenkorb geht, sollen alle Items angezeigt werden, die der Nutzer schon in den Warenkorb hineingetan hat. Mehrfache Items sollen durch die Quantity beschrieben werden. Z.B. Wenn der Nutzer 2x Beethoven in den Warenkorb getan hat, soll die Quantity bei 2 sein.</a:t>
+            </a:r>
+          </a:p>
+          <a:p>
+            <a:pPr>
+              <a:buNone/>
+            </a:pPr>
+            <a:r>
+              <a:rPr lang="de-DE" dirty="0" smtClean="0"/>
+              <a:t>4.  Wenn der Nutzer im Warenkorb ist und auf den Remove-Button klickt, soll das Item (auch mehrfache Items) aus dem Warenkorb getan werden. Beachte, dass hier auch die localStorage verändert werden muss.</a:t>
+            </a:r>
+            <a:endParaRPr lang="de-DE" dirty="0" smtClean="0"/>
+          </a:p>
+        </p:txBody>
+      </p:sp>
+    </p:spTree>
+  </p:cSld>
+  <p:clrMapOvr>
+    <a:masterClrMapping/>
+  </p:clrMapOvr>
+</p:sld>
+</file>
+
+<file path=ppt/slides/slide15.xml><?xml version="1.0" encoding="utf-8"?>
 <p:sld xmlns:a="http://schemas.openxmlformats.org/drawingml/2006/main" xmlns:r="http://schemas.openxmlformats.org/officeDocument/2006/relationships" xmlns:p="http://schemas.openxmlformats.org/presentationml/2006/main">
   <p:cSld>
     <p:spTree>
